--- a/Vinyl Ester Resin Challenges.pptx
+++ b/Vinyl Ester Resin Challenges.pptx
@@ -122,55 +122,6 @@
 </p:presentation>
 </file>
 
-<file path=ppt/commentAuthors.xml><?xml version="1.0" encoding="utf-8"?>
-<p:cmAuthorLst xmlns:a="http://schemas.openxmlformats.org/drawingml/2006/main" xmlns:r="http://schemas.openxmlformats.org/officeDocument/2006/relationships" xmlns:p="http://schemas.openxmlformats.org/presentationml/2006/main">
-  <p:cmAuthor id="1" name="Ashok S Pathak" initials="ASP" lastIdx="4" clrIdx="0">
-    <p:extLst>
-      <p:ext uri="{19B8F6BF-5375-455C-9EA6-DF929625EA0E}">
-        <p15:presenceInfo xmlns:p15="http://schemas.microsoft.com/office/powerpoint/2012/main" userId="S::Ashok.S.Pathak@ril.com::6ff78ade-e258-42a7-acd0-32d91f3006f1" providerId="AD"/>
-      </p:ext>
-    </p:extLst>
-  </p:cmAuthor>
-</p:cmAuthorLst>
-</file>
-
-<file path=ppt/comments/comment1.xml><?xml version="1.0" encoding="utf-8"?>
-<p:cmLst xmlns:a="http://schemas.openxmlformats.org/drawingml/2006/main" xmlns:r="http://schemas.openxmlformats.org/officeDocument/2006/relationships" xmlns:p="http://schemas.openxmlformats.org/presentationml/2006/main">
-  <p:cm authorId="1" dt="2021-10-26T17:34:01.324" idx="1">
-    <p:pos x="3616" y="1988"/>
-    <p:text>why backward integration is no for VER? we will make epoxy.  why forward integration is yes?</p:text>
-    <p:extLst>
-      <p:ext uri="{C676402C-5697-4E1C-873F-D02D1690AC5C}">
-        <p15:threadingInfo xmlns:p15="http://schemas.microsoft.com/office/powerpoint/2012/main" timeZoneBias="-330"/>
-      </p:ext>
-    </p:extLst>
-  </p:cm>
-  <p:cm authorId="1" dt="2021-10-27T14:32:01.284" idx="3">
-    <p:pos x="469" y="1037"/>
-    <p:text>Basis for including UPR</p:text>
-    <p:extLst>
-      <p:ext uri="{C676402C-5697-4E1C-873F-D02D1690AC5C}">
-        <p15:threadingInfo xmlns:p15="http://schemas.microsoft.com/office/powerpoint/2012/main" timeZoneBias="-330"/>
-      </p:ext>
-    </p:extLst>
-  </p:cm>
-</p:cmLst>
-</file>
-
-<file path=ppt/comments/comment2.xml><?xml version="1.0" encoding="utf-8"?>
-<p:cmLst xmlns:a="http://schemas.openxmlformats.org/drawingml/2006/main" xmlns:r="http://schemas.openxmlformats.org/officeDocument/2006/relationships" xmlns:p="http://schemas.openxmlformats.org/presentationml/2006/main">
-  <p:cm authorId="1" dt="2021-10-27T14:33:23.407" idx="4">
-    <p:pos x="2464" y="2823"/>
-    <p:text>A &amp; F as per previous slide</p:text>
-    <p:extLst>
-      <p:ext uri="{C676402C-5697-4E1C-873F-D02D1690AC5C}">
-        <p15:threadingInfo xmlns:p15="http://schemas.microsoft.com/office/powerpoint/2012/main" timeZoneBias="-330"/>
-      </p:ext>
-    </p:extLst>
-  </p:cm>
-</p:cmLst>
-</file>
-
 <file path=ppt/notesMasters/notesMaster1.xml><?xml version="1.0" encoding="utf-8"?>
 <p:notesMaster xmlns:a="http://schemas.openxmlformats.org/drawingml/2006/main" xmlns:r="http://schemas.openxmlformats.org/officeDocument/2006/relationships" xmlns:p="http://schemas.openxmlformats.org/presentationml/2006/main">
   <p:cSld>
@@ -253,7 +204,7 @@
           <a:p>
             <a:fld id="{DC0F8951-EA70-4C56-BC87-6FE19CC67884}" type="datetimeFigureOut">
               <a:rPr lang="en-US" smtClean="0"/>
-              <a:t>10/27/2021</a:t>
+              <a:t>10/25/2021</a:t>
             </a:fld>
             <a:endParaRPr lang="en-US"/>
           </a:p>
@@ -890,7 +841,7 @@
           <a:p>
             <a:fld id="{6F5EAC96-E11A-4A37-A2DF-CA09ABDBA069}" type="datetimeFigureOut">
               <a:rPr lang="en-US" smtClean="0"/>
-              <a:t>10/27/2021</a:t>
+              <a:t>10/25/2021</a:t>
             </a:fld>
             <a:endParaRPr lang="en-US" dirty="0"/>
           </a:p>
@@ -1060,7 +1011,7 @@
           <a:p>
             <a:fld id="{6F5EAC96-E11A-4A37-A2DF-CA09ABDBA069}" type="datetimeFigureOut">
               <a:rPr lang="en-US" smtClean="0"/>
-              <a:t>10/27/2021</a:t>
+              <a:t>10/25/2021</a:t>
             </a:fld>
             <a:endParaRPr lang="en-US" dirty="0"/>
           </a:p>
@@ -1240,7 +1191,7 @@
           <a:p>
             <a:fld id="{6F5EAC96-E11A-4A37-A2DF-CA09ABDBA069}" type="datetimeFigureOut">
               <a:rPr lang="en-US" smtClean="0"/>
-              <a:t>10/27/2021</a:t>
+              <a:t>10/25/2021</a:t>
             </a:fld>
             <a:endParaRPr lang="en-US" dirty="0"/>
           </a:p>
@@ -2239,7 +2190,7 @@
           <a:p>
             <a:fld id="{6F5EAC96-E11A-4A37-A2DF-CA09ABDBA069}" type="datetimeFigureOut">
               <a:rPr lang="en-US" smtClean="0"/>
-              <a:t>10/27/2021</a:t>
+              <a:t>10/25/2021</a:t>
             </a:fld>
             <a:endParaRPr lang="en-US" dirty="0"/>
           </a:p>
@@ -2483,7 +2434,7 @@
           <a:p>
             <a:fld id="{6F5EAC96-E11A-4A37-A2DF-CA09ABDBA069}" type="datetimeFigureOut">
               <a:rPr lang="en-US" smtClean="0"/>
-              <a:t>10/27/2021</a:t>
+              <a:t>10/25/2021</a:t>
             </a:fld>
             <a:endParaRPr lang="en-US" dirty="0"/>
           </a:p>
@@ -2715,7 +2666,7 @@
           <a:p>
             <a:fld id="{6F5EAC96-E11A-4A37-A2DF-CA09ABDBA069}" type="datetimeFigureOut">
               <a:rPr lang="en-US" smtClean="0"/>
-              <a:t>10/27/2021</a:t>
+              <a:t>10/25/2021</a:t>
             </a:fld>
             <a:endParaRPr lang="en-US" dirty="0"/>
           </a:p>
@@ -3082,7 +3033,7 @@
           <a:p>
             <a:fld id="{6F5EAC96-E11A-4A37-A2DF-CA09ABDBA069}" type="datetimeFigureOut">
               <a:rPr lang="en-US" smtClean="0"/>
-              <a:t>10/27/2021</a:t>
+              <a:t>10/25/2021</a:t>
             </a:fld>
             <a:endParaRPr lang="en-US" dirty="0"/>
           </a:p>
@@ -3200,7 +3151,7 @@
           <a:p>
             <a:fld id="{6F5EAC96-E11A-4A37-A2DF-CA09ABDBA069}" type="datetimeFigureOut">
               <a:rPr lang="en-US" smtClean="0"/>
-              <a:t>10/27/2021</a:t>
+              <a:t>10/25/2021</a:t>
             </a:fld>
             <a:endParaRPr lang="en-US" dirty="0"/>
           </a:p>
@@ -3295,7 +3246,7 @@
           <a:p>
             <a:fld id="{6F5EAC96-E11A-4A37-A2DF-CA09ABDBA069}" type="datetimeFigureOut">
               <a:rPr lang="en-US" smtClean="0"/>
-              <a:t>10/27/2021</a:t>
+              <a:t>10/25/2021</a:t>
             </a:fld>
             <a:endParaRPr lang="en-US" dirty="0"/>
           </a:p>
@@ -3572,7 +3523,7 @@
           <a:p>
             <a:fld id="{6F5EAC96-E11A-4A37-A2DF-CA09ABDBA069}" type="datetimeFigureOut">
               <a:rPr lang="en-US" smtClean="0"/>
-              <a:t>10/27/2021</a:t>
+              <a:t>10/25/2021</a:t>
             </a:fld>
             <a:endParaRPr lang="en-US" dirty="0"/>
           </a:p>
@@ -3828,7 +3779,7 @@
           <a:p>
             <a:fld id="{6F5EAC96-E11A-4A37-A2DF-CA09ABDBA069}" type="datetimeFigureOut">
               <a:rPr lang="en-US" smtClean="0"/>
-              <a:t>10/27/2021</a:t>
+              <a:t>10/25/2021</a:t>
             </a:fld>
             <a:endParaRPr lang="en-US" dirty="0"/>
           </a:p>
@@ -4041,7 +3992,7 @@
           <a:p>
             <a:fld id="{6F5EAC96-E11A-4A37-A2DF-CA09ABDBA069}" type="datetimeFigureOut">
               <a:rPr lang="en-US" smtClean="0"/>
-              <a:t>10/27/2021</a:t>
+              <a:t>10/25/2021</a:t>
             </a:fld>
             <a:endParaRPr lang="en-US" dirty="0"/>
           </a:p>
